--- a/binomial_test_short.pptx
+++ b/binomial_test_short.pptx
@@ -10,7 +10,7 @@
   <p:sldIdLst>
     <p:sldId id="256" r:id="rId2"/>
     <p:sldId id="257" r:id="rId3"/>
-    <p:sldId id="258" r:id="rId4"/>
+    <p:sldId id="259" r:id="rId4"/>
   </p:sldIdLst>
   <p:sldSz cx="12192000" cy="6858000"/>
   <p:notesSz cx="6858000" cy="9144000"/>
@@ -109,6 +109,11 @@
       </a:defRPr>
     </a:lvl9pPr>
   </p:defaultTextStyle>
+  <p:extLst>
+    <p:ext uri="{EFAFB233-063F-42B5-8137-9DF3F51BA10A}">
+      <p15:sldGuideLst xmlns:p15="http://schemas.microsoft.com/office/powerpoint/2012/main"/>
+    </p:ext>
+  </p:extLst>
 </p:presentation>
 </file>
 
@@ -620,6 +625,90 @@
     <p:extLst>
       <p:ext uri="{BB962C8B-B14F-4D97-AF65-F5344CB8AC3E}">
         <p14:creationId xmlns:p14="http://schemas.microsoft.com/office/powerpoint/2010/main" val="880858318"/>
+      </p:ext>
+    </p:extLst>
+  </p:cSld>
+  <p:clrMapOvr>
+    <a:masterClrMapping/>
+  </p:clrMapOvr>
+</p:notes>
+</file>
+
+<file path=ppt/notesSlides/notesSlide3.xml><?xml version="1.0" encoding="utf-8"?>
+<p:notes xmlns:a="http://schemas.openxmlformats.org/drawingml/2006/main" xmlns:r="http://schemas.openxmlformats.org/officeDocument/2006/relationships" xmlns:p="http://schemas.openxmlformats.org/presentationml/2006/main">
+  <p:cSld>
+    <p:spTree>
+      <p:nvGrpSpPr>
+        <p:cNvPr id="1" name=""/>
+        <p:cNvGrpSpPr/>
+        <p:nvPr/>
+      </p:nvGrpSpPr>
+      <p:grpSpPr>
+        <a:xfrm>
+          <a:off x="0" y="0"/>
+          <a:ext cx="0" cy="0"/>
+          <a:chOff x="0" y="0"/>
+          <a:chExt cx="0" cy="0"/>
+        </a:xfrm>
+      </p:grpSpPr>
+      <p:sp>
+        <p:nvSpPr>
+          <p:cNvPr id="2" name="Slide Image Placeholder 1"/>
+          <p:cNvSpPr>
+            <a:spLocks noGrp="1" noRot="1" noChangeAspect="1"/>
+          </p:cNvSpPr>
+          <p:nvPr>
+            <p:ph type="sldImg"/>
+          </p:nvPr>
+        </p:nvSpPr>
+        <p:spPr/>
+      </p:sp>
+      <p:sp>
+        <p:nvSpPr>
+          <p:cNvPr id="3" name="Notes Placeholder 2"/>
+          <p:cNvSpPr>
+            <a:spLocks noGrp="1"/>
+          </p:cNvSpPr>
+          <p:nvPr>
+            <p:ph type="body" idx="1"/>
+          </p:nvPr>
+        </p:nvSpPr>
+        <p:spPr/>
+        <p:txBody>
+          <a:bodyPr/>
+          <a:lstStyle/>
+          <a:p>
+            <a:endParaRPr lang="en-US" dirty="0"/>
+          </a:p>
+        </p:txBody>
+      </p:sp>
+      <p:sp>
+        <p:nvSpPr>
+          <p:cNvPr id="4" name="Slide Number Placeholder 3"/>
+          <p:cNvSpPr>
+            <a:spLocks noGrp="1"/>
+          </p:cNvSpPr>
+          <p:nvPr>
+            <p:ph type="sldNum" sz="quarter" idx="5"/>
+          </p:nvPr>
+        </p:nvSpPr>
+        <p:spPr/>
+        <p:txBody>
+          <a:bodyPr/>
+          <a:lstStyle/>
+          <a:p>
+            <a:fld id="{81EFAD39-AF31-C349-B5AC-CBA8E6CEA9AE}" type="slidenum">
+              <a:rPr lang="en-US" smtClean="0"/>
+              <a:t>3</a:t>
+            </a:fld>
+            <a:endParaRPr lang="en-US"/>
+          </a:p>
+        </p:txBody>
+      </p:sp>
+    </p:spTree>
+    <p:extLst>
+      <p:ext uri="{BB962C8B-B14F-4D97-AF65-F5344CB8AC3E}">
+        <p14:creationId xmlns:p14="http://schemas.microsoft.com/office/powerpoint/2010/main" val="579210607"/>
       </p:ext>
     </p:extLst>
   </p:cSld>
@@ -4012,7 +4101,7 @@
         </p:blipFill>
         <p:spPr>
           <a:xfrm>
-            <a:off x="2209800" y="2476498"/>
+            <a:off x="2209800" y="2293457"/>
             <a:ext cx="7772400" cy="3415673"/>
           </a:xfrm>
           <a:prstGeom prst="rect">
@@ -4020,6 +4109,49 @@
           </a:prstGeom>
         </p:spPr>
       </p:pic>
+      <p:sp>
+        <p:nvSpPr>
+          <p:cNvPr id="4" name="TextBox 3">
+            <a:extLst>
+              <a:ext uri="{FF2B5EF4-FFF2-40B4-BE49-F238E27FC236}">
+                <a16:creationId xmlns:a16="http://schemas.microsoft.com/office/drawing/2014/main" id="{76AF95BB-429F-70B7-F037-D57EEFC199D4}"/>
+              </a:ext>
+            </a:extLst>
+          </p:cNvPr>
+          <p:cNvSpPr txBox="1"/>
+          <p:nvPr/>
+        </p:nvSpPr>
+        <p:spPr>
+          <a:xfrm>
+            <a:off x="6936173" y="5681436"/>
+            <a:ext cx="3046027" cy="261610"/>
+          </a:xfrm>
+          <a:prstGeom prst="rect">
+            <a:avLst/>
+          </a:prstGeom>
+          <a:noFill/>
+        </p:spPr>
+        <p:txBody>
+          <a:bodyPr wrap="none" rtlCol="0">
+            <a:spAutoFit/>
+          </a:bodyPr>
+          <a:lstStyle/>
+          <a:p>
+            <a:r>
+              <a:rPr lang="en-US" sz="1100" dirty="0"/>
+              <a:t>(retrieved from Adaptive </a:t>
+            </a:r>
+            <a:r>
+              <a:rPr lang="en-US" sz="1100" dirty="0" err="1"/>
+              <a:t>Immunoseq</a:t>
+            </a:r>
+            <a:r>
+              <a:rPr lang="en-US" sz="1100" dirty="0"/>
+              <a:t> 2024 Nov)</a:t>
+            </a:r>
+          </a:p>
+        </p:txBody>
+      </p:sp>
     </p:spTree>
     <p:extLst>
       <p:ext uri="{BB962C8B-B14F-4D97-AF65-F5344CB8AC3E}">
@@ -4055,7 +4187,7 @@
           <p:cNvPr id="2" name="Title 1">
             <a:extLst>
               <a:ext uri="{FF2B5EF4-FFF2-40B4-BE49-F238E27FC236}">
-                <a16:creationId xmlns:a16="http://schemas.microsoft.com/office/drawing/2014/main" id="{2A65E0B9-FF54-A33D-9DB9-C88695E9CFD4}"/>
+                <a16:creationId xmlns:a16="http://schemas.microsoft.com/office/drawing/2014/main" id="{182E82AF-8E8E-A2F7-1E6D-409439EAF938}"/>
               </a:ext>
             </a:extLst>
           </p:cNvPr>
@@ -4078,40 +4210,64 @@
           </a:p>
         </p:txBody>
       </p:sp>
+      <p:sp>
+        <p:nvSpPr>
+          <p:cNvPr id="3" name="Content Placeholder 2">
+            <a:extLst>
+              <a:ext uri="{FF2B5EF4-FFF2-40B4-BE49-F238E27FC236}">
+                <a16:creationId xmlns:a16="http://schemas.microsoft.com/office/drawing/2014/main" id="{C5DA6F35-0D23-97D8-CC9A-267D8F745BAB}"/>
+              </a:ext>
+            </a:extLst>
+          </p:cNvPr>
+          <p:cNvSpPr>
+            <a:spLocks noGrp="1"/>
+          </p:cNvSpPr>
+          <p:nvPr>
+            <p:ph idx="1"/>
+          </p:nvPr>
+        </p:nvSpPr>
+        <p:spPr>
+          <a:xfrm>
+            <a:off x="838201" y="1825625"/>
+            <a:ext cx="3063398" cy="4351338"/>
+          </a:xfrm>
+        </p:spPr>
+        <p:txBody>
+          <a:bodyPr>
+            <a:normAutofit lnSpcReduction="10000"/>
+          </a:bodyPr>
+          <a:lstStyle/>
+          <a:p>
+            <a:r>
+              <a:rPr lang="en-US" sz="2400" dirty="0"/>
+              <a:t>Binomial test is run independently for each clone to compare their relative abundance </a:t>
+            </a:r>
+            <a:r>
+              <a:rPr lang="en-US" sz="2400"/>
+              <a:t>between two samples</a:t>
+            </a:r>
+            <a:endParaRPr lang="en-US" sz="2400" dirty="0"/>
+          </a:p>
+          <a:p>
+            <a:r>
+              <a:rPr lang="en-US" sz="2400" dirty="0"/>
+              <a:t>p value from the binomial test is an absolute p value</a:t>
+            </a:r>
+          </a:p>
+          <a:p>
+            <a:r>
+              <a:rPr lang="en-US" sz="2400" dirty="0"/>
+              <a:t> BH/FDR adjustment is run over all p values</a:t>
+            </a:r>
+          </a:p>
+        </p:txBody>
+      </p:sp>
       <p:pic>
         <p:nvPicPr>
-          <p:cNvPr id="7" name="Content Placeholder 6" descr="A screenshot of a computer screen&#10;&#10;Description automatically generated">
-            <a:extLst>
-              <a:ext uri="{FF2B5EF4-FFF2-40B4-BE49-F238E27FC236}">
-                <a16:creationId xmlns:a16="http://schemas.microsoft.com/office/drawing/2014/main" id="{24E4F875-B81C-EC14-B63C-7549D776D566}"/>
-              </a:ext>
-            </a:extLst>
-          </p:cNvPr>
-          <p:cNvPicPr>
-            <a:picLocks noGrp="1" noChangeAspect="1"/>
-          </p:cNvPicPr>
-          <p:nvPr>
-            <p:ph idx="1"/>
-          </p:nvPr>
-        </p:nvPicPr>
-        <p:blipFill>
-          <a:blip r:embed="rId2"/>
-          <a:srcRect b="45325"/>
-          <a:stretch/>
-        </p:blipFill>
-        <p:spPr>
-          <a:xfrm>
-            <a:off x="593650" y="2784746"/>
-            <a:ext cx="7433385" cy="1288507"/>
-          </a:xfrm>
-        </p:spPr>
-      </p:pic>
-      <p:pic>
-        <p:nvPicPr>
-          <p:cNvPr id="8" name="Content Placeholder 6" descr="A screenshot of a computer screen&#10;&#10;Description automatically generated">
-            <a:extLst>
-              <a:ext uri="{FF2B5EF4-FFF2-40B4-BE49-F238E27FC236}">
-                <a16:creationId xmlns:a16="http://schemas.microsoft.com/office/drawing/2014/main" id="{9D7F47A9-C299-CB62-3505-635B4CAC440E}"/>
+          <p:cNvPr id="4" name="Content Placeholder 6" descr="A screenshot of a computer screen&#10;&#10;Description automatically generated">
+            <a:extLst>
+              <a:ext uri="{FF2B5EF4-FFF2-40B4-BE49-F238E27FC236}">
+                <a16:creationId xmlns:a16="http://schemas.microsoft.com/office/drawing/2014/main" id="{A32DA274-EAAF-3EFE-0C8C-9A08DD06695E}"/>
               </a:ext>
             </a:extLst>
           </p:cNvPr>
@@ -4121,13 +4277,42 @@
           <p:nvPr/>
         </p:nvPicPr>
         <p:blipFill>
-          <a:blip r:embed="rId2"/>
+          <a:blip r:embed="rId3"/>
+          <a:srcRect b="45325"/>
+          <a:stretch/>
+        </p:blipFill>
+        <p:spPr>
+          <a:xfrm>
+            <a:off x="4155560" y="3405189"/>
+            <a:ext cx="7433385" cy="1288507"/>
+          </a:xfrm>
+          <a:prstGeom prst="rect">
+            <a:avLst/>
+          </a:prstGeom>
+        </p:spPr>
+      </p:pic>
+      <p:pic>
+        <p:nvPicPr>
+          <p:cNvPr id="5" name="Content Placeholder 6" descr="A screenshot of a computer screen&#10;&#10;Description automatically generated">
+            <a:extLst>
+              <a:ext uri="{FF2B5EF4-FFF2-40B4-BE49-F238E27FC236}">
+                <a16:creationId xmlns:a16="http://schemas.microsoft.com/office/drawing/2014/main" id="{B784EA93-4F20-3553-758A-74C2332A042A}"/>
+              </a:ext>
+            </a:extLst>
+          </p:cNvPr>
+          <p:cNvPicPr>
+            <a:picLocks noChangeAspect="1"/>
+          </p:cNvPicPr>
+          <p:nvPr/>
+        </p:nvPicPr>
+        <p:blipFill>
+          <a:blip r:embed="rId3"/>
           <a:srcRect t="54020"/>
           <a:stretch/>
         </p:blipFill>
         <p:spPr>
           <a:xfrm>
-            <a:off x="593651" y="4302657"/>
+            <a:off x="4155557" y="4859624"/>
             <a:ext cx="7433388" cy="1083603"/>
           </a:xfrm>
           <a:prstGeom prst="rect">
@@ -4137,10 +4322,10 @@
       </p:pic>
       <p:pic>
         <p:nvPicPr>
-          <p:cNvPr id="12" name="Picture 11" descr="A black and white math equation&#10;&#10;Description automatically generated">
-            <a:extLst>
-              <a:ext uri="{FF2B5EF4-FFF2-40B4-BE49-F238E27FC236}">
-                <a16:creationId xmlns:a16="http://schemas.microsoft.com/office/drawing/2014/main" id="{79FDF963-CAA5-8EA9-F68A-11EFDAE5774B}"/>
+          <p:cNvPr id="6" name="Picture 5" descr="A black and white math equation&#10;&#10;Description automatically generated">
+            <a:extLst>
+              <a:ext uri="{FF2B5EF4-FFF2-40B4-BE49-F238E27FC236}">
+                <a16:creationId xmlns:a16="http://schemas.microsoft.com/office/drawing/2014/main" id="{A0517854-09A9-4777-921C-D3572105BB43}"/>
               </a:ext>
             </a:extLst>
           </p:cNvPr>
@@ -4150,14 +4335,14 @@
           <p:nvPr/>
         </p:nvPicPr>
         <p:blipFill>
-          <a:blip r:embed="rId3"/>
+          <a:blip r:embed="rId4"/>
           <a:stretch>
             <a:fillRect/>
           </a:stretch>
         </p:blipFill>
         <p:spPr>
           <a:xfrm>
-            <a:off x="8318817" y="2784746"/>
+            <a:off x="4969561" y="1690688"/>
             <a:ext cx="2743200" cy="1270000"/>
           </a:xfrm>
           <a:prstGeom prst="rect">
@@ -4167,10 +4352,10 @@
       </p:pic>
       <p:sp>
         <p:nvSpPr>
-          <p:cNvPr id="13" name="TextBox 12">
-            <a:extLst>
-              <a:ext uri="{FF2B5EF4-FFF2-40B4-BE49-F238E27FC236}">
-                <a16:creationId xmlns:a16="http://schemas.microsoft.com/office/drawing/2014/main" id="{86678511-BC50-8A7F-0212-6C1E83560440}"/>
+          <p:cNvPr id="7" name="TextBox 6">
+            <a:extLst>
+              <a:ext uri="{FF2B5EF4-FFF2-40B4-BE49-F238E27FC236}">
+                <a16:creationId xmlns:a16="http://schemas.microsoft.com/office/drawing/2014/main" id="{D4626151-9543-EE75-F527-FC71C02860A3}"/>
               </a:ext>
             </a:extLst>
           </p:cNvPr>
@@ -4179,8 +4364,8 @@
         </p:nvSpPr>
         <p:spPr>
           <a:xfrm>
-            <a:off x="8359575" y="4378027"/>
-            <a:ext cx="3121624" cy="923330"/>
+            <a:off x="7966719" y="1725523"/>
+            <a:ext cx="3121624" cy="1200329"/>
           </a:xfrm>
           <a:prstGeom prst="rect">
             <a:avLst/>
@@ -4252,12 +4437,18 @@
               <a:t>)</a:t>
             </a:r>
           </a:p>
+          <a:p>
+            <a:r>
+              <a:rPr lang="en-US" dirty="0"/>
+              <a:t>q = 1 - p</a:t>
+            </a:r>
+          </a:p>
         </p:txBody>
       </p:sp>
     </p:spTree>
     <p:extLst>
       <p:ext uri="{BB962C8B-B14F-4D97-AF65-F5344CB8AC3E}">
-        <p14:creationId xmlns:p14="http://schemas.microsoft.com/office/powerpoint/2010/main" val="1027223189"/>
+        <p14:creationId xmlns:p14="http://schemas.microsoft.com/office/powerpoint/2010/main" val="870157926"/>
       </p:ext>
     </p:extLst>
   </p:cSld>
